--- a/Document3 1.pptx
+++ b/Document3 1.pptx
@@ -435,7 +435,7 @@
             <a:fld id="{1449AA12-8195-4182-A7AC-2E7E59DFBDAF}" type="datetimeFigureOut">
               <a:rPr lang="en-US" smtClean="0"/>
               <a:pPr algn="r"/>
-              <a:t>5/5/2023</a:t>
+              <a:t>4/21/2025</a:t>
             </a:fld>
             <a:endParaRPr lang="en-US"/>
           </a:p>
@@ -651,7 +651,7 @@
           <a:p>
             <a:fld id="{1449AA12-8195-4182-A7AC-2E7E59DFBDAF}" type="datetimeFigureOut">
               <a:rPr lang="en-US" smtClean="0"/>
-              <a:t>5/5/2023</a:t>
+              <a:t>4/21/2025</a:t>
             </a:fld>
             <a:endParaRPr lang="en-US"/>
           </a:p>
@@ -1023,7 +1023,7 @@
           <a:p>
             <a:fld id="{1449AA12-8195-4182-A7AC-2E7E59DFBDAF}" type="datetimeFigureOut">
               <a:rPr lang="en-US" smtClean="0"/>
-              <a:t>5/5/2023</a:t>
+              <a:t>4/21/2025</a:t>
             </a:fld>
             <a:endParaRPr lang="en-US"/>
           </a:p>
@@ -1385,7 +1385,7 @@
           <a:p>
             <a:fld id="{1449AA12-8195-4182-A7AC-2E7E59DFBDAF}" type="datetimeFigureOut">
               <a:rPr lang="en-US" smtClean="0"/>
-              <a:t>5/5/2023</a:t>
+              <a:t>4/21/2025</a:t>
             </a:fld>
             <a:endParaRPr lang="en-US"/>
           </a:p>
@@ -1825,7 +1825,7 @@
           <a:p>
             <a:fld id="{1449AA12-8195-4182-A7AC-2E7E59DFBDAF}" type="datetimeFigureOut">
               <a:rPr lang="en-US" smtClean="0"/>
-              <a:t>5/5/2023</a:t>
+              <a:t>4/21/2025</a:t>
             </a:fld>
             <a:endParaRPr lang="en-US"/>
           </a:p>
@@ -2265,7 +2265,7 @@
           <a:p>
             <a:fld id="{1449AA12-8195-4182-A7AC-2E7E59DFBDAF}" type="datetimeFigureOut">
               <a:rPr lang="en-US" smtClean="0"/>
-              <a:t>5/5/2023</a:t>
+              <a:t>4/21/2025</a:t>
             </a:fld>
             <a:endParaRPr lang="en-US"/>
           </a:p>
@@ -2873,7 +2873,7 @@
           <a:p>
             <a:fld id="{1449AA12-8195-4182-A7AC-2E7E59DFBDAF}" type="datetimeFigureOut">
               <a:rPr lang="en-US" smtClean="0"/>
-              <a:t>5/5/2023</a:t>
+              <a:t>4/21/2025</a:t>
             </a:fld>
             <a:endParaRPr lang="en-US"/>
           </a:p>
@@ -3178,7 +3178,7 @@
           <a:p>
             <a:fld id="{1449AA12-8195-4182-A7AC-2E7E59DFBDAF}" type="datetimeFigureOut">
               <a:rPr lang="en-US" smtClean="0"/>
-              <a:t>5/5/2023</a:t>
+              <a:t>4/21/2025</a:t>
             </a:fld>
             <a:endParaRPr lang="en-US"/>
           </a:p>
@@ -3455,7 +3455,7 @@
           <a:p>
             <a:fld id="{1449AA12-8195-4182-A7AC-2E7E59DFBDAF}" type="datetimeFigureOut">
               <a:rPr lang="en-US" smtClean="0"/>
-              <a:t>5/5/2023</a:t>
+              <a:t>4/21/2025</a:t>
             </a:fld>
             <a:endParaRPr lang="en-US"/>
           </a:p>
@@ -3932,7 +3932,7 @@
           <a:p>
             <a:fld id="{1449AA12-8195-4182-A7AC-2E7E59DFBDAF}" type="datetimeFigureOut">
               <a:rPr lang="en-US" smtClean="0"/>
-              <a:t>5/5/2023</a:t>
+              <a:t>4/21/2025</a:t>
             </a:fld>
             <a:endParaRPr lang="en-US"/>
           </a:p>
@@ -4387,7 +4387,7 @@
           <a:p>
             <a:fld id="{1449AA12-8195-4182-A7AC-2E7E59DFBDAF}" type="datetimeFigureOut">
               <a:rPr lang="en-US" smtClean="0"/>
-              <a:t>5/5/2023</a:t>
+              <a:t>4/21/2025</a:t>
             </a:fld>
             <a:endParaRPr lang="en-US"/>
           </a:p>
@@ -4793,7 +4793,7 @@
             <a:fld id="{1449AA12-8195-4182-A7AC-2E7E59DFBDAF}" type="datetimeFigureOut">
               <a:rPr lang="en-US" smtClean="0"/>
               <a:pPr/>
-              <a:t>5/5/2023</a:t>
+              <a:t>4/21/2025</a:t>
             </a:fld>
             <a:endParaRPr lang="en-US"/>
           </a:p>
@@ -5638,36 +5638,6 @@
           </a:extLst>
         </p:spPr>
       </p:pic>
-      <p:sp>
-        <p:nvSpPr>
-          <p:cNvPr id="4" name="TextBox 3"/>
-          <p:cNvSpPr txBox="1"/>
-          <p:nvPr/>
-        </p:nvSpPr>
-        <p:spPr>
-          <a:xfrm>
-            <a:off x="6754207" y="5891037"/>
-            <a:ext cx="4342878" cy="461665"/>
-          </a:xfrm>
-          <a:prstGeom prst="rect">
-            <a:avLst/>
-          </a:prstGeom>
-          <a:noFill/>
-        </p:spPr>
-        <p:txBody>
-          <a:bodyPr wrap="square" rtlCol="0">
-            <a:spAutoFit/>
-          </a:bodyPr>
-          <a:lstStyle/>
-          <a:p>
-            <a:r>
-              <a:rPr lang="en-US" sz="2400" b="1" dirty="0"/>
-              <a:t>-ABHISHEK</a:t>
-            </a:r>
-            <a:endParaRPr lang="en-IN" sz="2400" b="1" dirty="0"/>
-          </a:p>
-        </p:txBody>
-      </p:sp>
     </p:spTree>
     <p:extLst>
       <p:ext uri="{BB962C8B-B14F-4D97-AF65-F5344CB8AC3E}">
